--- a/splash11.pptx
+++ b/splash11.pptx
@@ -107,12 +107,12 @@
   <p:extLst>
     <p:ext uri="{EFAFB233-063F-42B5-8137-9DF3F51BA10A}">
       <p15:sldGuideLst xmlns:p15="http://schemas.microsoft.com/office/powerpoint/2012/main">
-        <p15:guide id="1" orient="horz" pos="2160">
+        <p15:guide id="1" orient="horz" pos="890" userDrawn="1">
           <p15:clr>
             <a:srgbClr val="A4A3A4"/>
           </p15:clr>
         </p15:guide>
-        <p15:guide id="2" pos="2880">
+        <p15:guide id="2" pos="521" userDrawn="1">
           <p15:clr>
             <a:srgbClr val="A4A3A4"/>
           </p15:clr>

--- a/splash11.pptx
+++ b/splash11.pptx
@@ -304,7 +304,7 @@
           <a:p>
             <a:fld id="{6A6006D5-074D-4760-9179-D19559CBC9E5}" type="datetimeFigureOut">
               <a:rPr lang="en-GB" smtClean="0"/>
-              <a:t>25/03/2022</a:t>
+              <a:t>30/03/2022</a:t>
             </a:fld>
             <a:endParaRPr lang="en-GB"/>
           </a:p>
@@ -346,7 +346,7 @@
           <a:p>
             <a:fld id="{263DDE84-2053-4D86-80F4-A600E2E33FCE}" type="slidenum">
               <a:rPr lang="en-GB" smtClean="0"/>
-              <a:t>‹Nr.›</a:t>
+              <a:t>‹#›</a:t>
             </a:fld>
             <a:endParaRPr lang="en-GB"/>
           </a:p>
@@ -474,7 +474,7 @@
           <a:p>
             <a:fld id="{6A6006D5-074D-4760-9179-D19559CBC9E5}" type="datetimeFigureOut">
               <a:rPr lang="en-GB" smtClean="0"/>
-              <a:t>25/03/2022</a:t>
+              <a:t>30/03/2022</a:t>
             </a:fld>
             <a:endParaRPr lang="en-GB"/>
           </a:p>
@@ -516,7 +516,7 @@
           <a:p>
             <a:fld id="{263DDE84-2053-4D86-80F4-A600E2E33FCE}" type="slidenum">
               <a:rPr lang="en-GB" smtClean="0"/>
-              <a:t>‹Nr.›</a:t>
+              <a:t>‹#›</a:t>
             </a:fld>
             <a:endParaRPr lang="en-GB"/>
           </a:p>
@@ -654,7 +654,7 @@
           <a:p>
             <a:fld id="{6A6006D5-074D-4760-9179-D19559CBC9E5}" type="datetimeFigureOut">
               <a:rPr lang="en-GB" smtClean="0"/>
-              <a:t>25/03/2022</a:t>
+              <a:t>30/03/2022</a:t>
             </a:fld>
             <a:endParaRPr lang="en-GB"/>
           </a:p>
@@ -696,7 +696,7 @@
           <a:p>
             <a:fld id="{263DDE84-2053-4D86-80F4-A600E2E33FCE}" type="slidenum">
               <a:rPr lang="en-GB" smtClean="0"/>
-              <a:t>‹Nr.›</a:t>
+              <a:t>‹#›</a:t>
             </a:fld>
             <a:endParaRPr lang="en-GB"/>
           </a:p>
@@ -824,7 +824,7 @@
           <a:p>
             <a:fld id="{6A6006D5-074D-4760-9179-D19559CBC9E5}" type="datetimeFigureOut">
               <a:rPr lang="en-GB" smtClean="0"/>
-              <a:t>25/03/2022</a:t>
+              <a:t>30/03/2022</a:t>
             </a:fld>
             <a:endParaRPr lang="en-GB"/>
           </a:p>
@@ -866,7 +866,7 @@
           <a:p>
             <a:fld id="{263DDE84-2053-4D86-80F4-A600E2E33FCE}" type="slidenum">
               <a:rPr lang="en-GB" smtClean="0"/>
-              <a:t>‹Nr.›</a:t>
+              <a:t>‹#›</a:t>
             </a:fld>
             <a:endParaRPr lang="en-GB"/>
           </a:p>
@@ -1070,7 +1070,7 @@
           <a:p>
             <a:fld id="{6A6006D5-074D-4760-9179-D19559CBC9E5}" type="datetimeFigureOut">
               <a:rPr lang="en-GB" smtClean="0"/>
-              <a:t>25/03/2022</a:t>
+              <a:t>30/03/2022</a:t>
             </a:fld>
             <a:endParaRPr lang="en-GB"/>
           </a:p>
@@ -1112,7 +1112,7 @@
           <a:p>
             <a:fld id="{263DDE84-2053-4D86-80F4-A600E2E33FCE}" type="slidenum">
               <a:rPr lang="en-GB" smtClean="0"/>
-              <a:t>‹Nr.›</a:t>
+              <a:t>‹#›</a:t>
             </a:fld>
             <a:endParaRPr lang="en-GB"/>
           </a:p>
@@ -1358,7 +1358,7 @@
           <a:p>
             <a:fld id="{6A6006D5-074D-4760-9179-D19559CBC9E5}" type="datetimeFigureOut">
               <a:rPr lang="en-GB" smtClean="0"/>
-              <a:t>25/03/2022</a:t>
+              <a:t>30/03/2022</a:t>
             </a:fld>
             <a:endParaRPr lang="en-GB"/>
           </a:p>
@@ -1400,7 +1400,7 @@
           <a:p>
             <a:fld id="{263DDE84-2053-4D86-80F4-A600E2E33FCE}" type="slidenum">
               <a:rPr lang="en-GB" smtClean="0"/>
-              <a:t>‹Nr.›</a:t>
+              <a:t>‹#›</a:t>
             </a:fld>
             <a:endParaRPr lang="en-GB"/>
           </a:p>
@@ -1780,7 +1780,7 @@
           <a:p>
             <a:fld id="{6A6006D5-074D-4760-9179-D19559CBC9E5}" type="datetimeFigureOut">
               <a:rPr lang="en-GB" smtClean="0"/>
-              <a:t>25/03/2022</a:t>
+              <a:t>30/03/2022</a:t>
             </a:fld>
             <a:endParaRPr lang="en-GB"/>
           </a:p>
@@ -1822,7 +1822,7 @@
           <a:p>
             <a:fld id="{263DDE84-2053-4D86-80F4-A600E2E33FCE}" type="slidenum">
               <a:rPr lang="en-GB" smtClean="0"/>
-              <a:t>‹Nr.›</a:t>
+              <a:t>‹#›</a:t>
             </a:fld>
             <a:endParaRPr lang="en-GB"/>
           </a:p>
@@ -1898,7 +1898,7 @@
           <a:p>
             <a:fld id="{6A6006D5-074D-4760-9179-D19559CBC9E5}" type="datetimeFigureOut">
               <a:rPr lang="en-GB" smtClean="0"/>
-              <a:t>25/03/2022</a:t>
+              <a:t>30/03/2022</a:t>
             </a:fld>
             <a:endParaRPr lang="en-GB"/>
           </a:p>
@@ -1940,7 +1940,7 @@
           <a:p>
             <a:fld id="{263DDE84-2053-4D86-80F4-A600E2E33FCE}" type="slidenum">
               <a:rPr lang="en-GB" smtClean="0"/>
-              <a:t>‹Nr.›</a:t>
+              <a:t>‹#›</a:t>
             </a:fld>
             <a:endParaRPr lang="en-GB"/>
           </a:p>
@@ -1993,7 +1993,7 @@
           <a:p>
             <a:fld id="{6A6006D5-074D-4760-9179-D19559CBC9E5}" type="datetimeFigureOut">
               <a:rPr lang="en-GB" smtClean="0"/>
-              <a:t>25/03/2022</a:t>
+              <a:t>30/03/2022</a:t>
             </a:fld>
             <a:endParaRPr lang="en-GB"/>
           </a:p>
@@ -2035,7 +2035,7 @@
           <a:p>
             <a:fld id="{263DDE84-2053-4D86-80F4-A600E2E33FCE}" type="slidenum">
               <a:rPr lang="en-GB" smtClean="0"/>
-              <a:t>‹Nr.›</a:t>
+              <a:t>‹#›</a:t>
             </a:fld>
             <a:endParaRPr lang="en-GB"/>
           </a:p>
@@ -2270,7 +2270,7 @@
           <a:p>
             <a:fld id="{6A6006D5-074D-4760-9179-D19559CBC9E5}" type="datetimeFigureOut">
               <a:rPr lang="en-GB" smtClean="0"/>
-              <a:t>25/03/2022</a:t>
+              <a:t>30/03/2022</a:t>
             </a:fld>
             <a:endParaRPr lang="en-GB"/>
           </a:p>
@@ -2312,7 +2312,7 @@
           <a:p>
             <a:fld id="{263DDE84-2053-4D86-80F4-A600E2E33FCE}" type="slidenum">
               <a:rPr lang="en-GB" smtClean="0"/>
-              <a:t>‹Nr.›</a:t>
+              <a:t>‹#›</a:t>
             </a:fld>
             <a:endParaRPr lang="en-GB"/>
           </a:p>
@@ -2523,7 +2523,7 @@
           <a:p>
             <a:fld id="{6A6006D5-074D-4760-9179-D19559CBC9E5}" type="datetimeFigureOut">
               <a:rPr lang="en-GB" smtClean="0"/>
-              <a:t>25/03/2022</a:t>
+              <a:t>30/03/2022</a:t>
             </a:fld>
             <a:endParaRPr lang="en-GB"/>
           </a:p>
@@ -2565,7 +2565,7 @@
           <a:p>
             <a:fld id="{263DDE84-2053-4D86-80F4-A600E2E33FCE}" type="slidenum">
               <a:rPr lang="en-GB" smtClean="0"/>
-              <a:t>‹Nr.›</a:t>
+              <a:t>‹#›</a:t>
             </a:fld>
             <a:endParaRPr lang="en-GB"/>
           </a:p>
@@ -2736,7 +2736,7 @@
           <a:p>
             <a:fld id="{6A6006D5-074D-4760-9179-D19559CBC9E5}" type="datetimeFigureOut">
               <a:rPr lang="en-GB" smtClean="0"/>
-              <a:t>25/03/2022</a:t>
+              <a:t>30/03/2022</a:t>
             </a:fld>
             <a:endParaRPr lang="en-GB"/>
           </a:p>
@@ -2814,7 +2814,7 @@
           <a:p>
             <a:fld id="{263DDE84-2053-4D86-80F4-A600E2E33FCE}" type="slidenum">
               <a:rPr lang="en-GB" smtClean="0"/>
-              <a:t>‹Nr.›</a:t>
+              <a:t>‹#›</a:t>
             </a:fld>
             <a:endParaRPr lang="en-GB"/>
           </a:p>
@@ -3467,7 +3467,15 @@
             <a:p>
               <a:r>
                 <a:rPr lang="de-DE" sz="1200" dirty="0"/>
-                <a:t>© Nikolaos Koutsouleris, Clara Weyer,  Ariane Wiegand</a:t>
+                <a:t>© Nikolaos Koutsouleris, </a:t>
+              </a:r>
+              <a:r>
+                <a:rPr lang="de-DE" sz="1200"/>
+                <a:t>Clara Vetter,  </a:t>
+              </a:r>
+              <a:r>
+                <a:rPr lang="de-DE" sz="1200" dirty="0"/>
+                <a:t>Ariane Wiegand</a:t>
               </a:r>
             </a:p>
             <a:p>
